--- a/documentation/vcm-2016-01-11.pptx
+++ b/documentation/vcm-2016-01-11.pptx
@@ -294,7 +294,7 @@
               <a:pPr>
                 <a:defRPr/>
               </a:pPr>
-              <a:t>1/11/16</a:t>
+              <a:t>8/12/16</a:t>
             </a:fld>
             <a:endParaRPr lang="en-US"/>
           </a:p>
@@ -1094,7 +1094,7 @@
               <a:pPr>
                 <a:defRPr/>
               </a:pPr>
-              <a:t>1/11/16</a:t>
+              <a:t>8/12/16</a:t>
             </a:fld>
             <a:endParaRPr lang="en-US"/>
           </a:p>
@@ -1291,7 +1291,7 @@
               <a:pPr>
                 <a:defRPr/>
               </a:pPr>
-              <a:t>1/11/16</a:t>
+              <a:t>8/12/16</a:t>
             </a:fld>
             <a:endParaRPr lang="en-US"/>
           </a:p>
@@ -1498,7 +1498,7 @@
               <a:pPr>
                 <a:defRPr/>
               </a:pPr>
-              <a:t>1/11/16</a:t>
+              <a:t>8/12/16</a:t>
             </a:fld>
             <a:endParaRPr lang="en-US"/>
           </a:p>
@@ -1695,7 +1695,7 @@
               <a:pPr>
                 <a:defRPr/>
               </a:pPr>
-              <a:t>1/11/16</a:t>
+              <a:t>8/12/16</a:t>
             </a:fld>
             <a:endParaRPr lang="en-US"/>
           </a:p>
@@ -1968,7 +1968,7 @@
               <a:pPr>
                 <a:defRPr/>
               </a:pPr>
-              <a:t>1/11/16</a:t>
+              <a:t>8/12/16</a:t>
             </a:fld>
             <a:endParaRPr lang="en-US"/>
           </a:p>
@@ -2283,7 +2283,7 @@
               <a:pPr>
                 <a:defRPr/>
               </a:pPr>
-              <a:t>1/11/16</a:t>
+              <a:t>8/12/16</a:t>
             </a:fld>
             <a:endParaRPr lang="en-US"/>
           </a:p>
@@ -2732,7 +2732,7 @@
               <a:pPr>
                 <a:defRPr/>
               </a:pPr>
-              <a:t>1/11/16</a:t>
+              <a:t>8/12/16</a:t>
             </a:fld>
             <a:endParaRPr lang="en-US"/>
           </a:p>
@@ -2877,7 +2877,7 @@
               <a:pPr>
                 <a:defRPr/>
               </a:pPr>
-              <a:t>1/11/16</a:t>
+              <a:t>8/12/16</a:t>
             </a:fld>
             <a:endParaRPr lang="en-US"/>
           </a:p>
@@ -2999,7 +2999,7 @@
               <a:pPr>
                 <a:defRPr/>
               </a:pPr>
-              <a:t>1/11/16</a:t>
+              <a:t>8/12/16</a:t>
             </a:fld>
             <a:endParaRPr lang="en-US"/>
           </a:p>
@@ -3303,7 +3303,7 @@
               <a:pPr>
                 <a:defRPr/>
               </a:pPr>
-              <a:t>1/11/16</a:t>
+              <a:t>8/12/16</a:t>
             </a:fld>
             <a:endParaRPr lang="en-US"/>
           </a:p>
@@ -3586,7 +3586,7 @@
               <a:pPr>
                 <a:defRPr/>
               </a:pPr>
-              <a:t>1/11/16</a:t>
+              <a:t>8/12/16</a:t>
             </a:fld>
             <a:endParaRPr lang="en-US"/>
           </a:p>
@@ -3731,14 +3731,14 @@
               <ma14:placeholderFlag xmlns:ma14="http://schemas.microsoft.com/office/mac/drawingml/2011/main" val="1"/>
             </a:ext>
             <a:ext uri="{909E8E84-426E-40dd-AFC4-6F175D3DCCD1}">
-              <a14:hiddenFill xmlns:a14="http://schemas.microsoft.com/office/drawing/2010/main" xmlns="">
+              <a14:hiddenFill xmlns="" xmlns:a14="http://schemas.microsoft.com/office/drawing/2010/main">
                 <a:solidFill>
                   <a:srgbClr val="FFFFFF"/>
                 </a:solidFill>
               </a14:hiddenFill>
             </a:ext>
             <a:ext uri="{91240B29-F687-4f45-9708-019B960494DF}">
-              <a14:hiddenLine xmlns:a14="http://schemas.microsoft.com/office/drawing/2010/main" xmlns="" w="9525">
+              <a14:hiddenLine xmlns="" xmlns:a14="http://schemas.microsoft.com/office/drawing/2010/main" w="9525">
                 <a:solidFill>
                   <a:srgbClr val="000000"/>
                 </a:solidFill>
@@ -3792,14 +3792,14 @@
               <ma14:placeholderFlag xmlns:ma14="http://schemas.microsoft.com/office/mac/drawingml/2011/main" val="1"/>
             </a:ext>
             <a:ext uri="{909E8E84-426E-40dd-AFC4-6F175D3DCCD1}">
-              <a14:hiddenFill xmlns:a14="http://schemas.microsoft.com/office/drawing/2010/main" xmlns="">
+              <a14:hiddenFill xmlns="" xmlns:a14="http://schemas.microsoft.com/office/drawing/2010/main">
                 <a:solidFill>
                   <a:srgbClr val="FFFFFF"/>
                 </a:solidFill>
               </a14:hiddenFill>
             </a:ext>
             <a:ext uri="{91240B29-F687-4f45-9708-019B960494DF}">
-              <a14:hiddenLine xmlns:a14="http://schemas.microsoft.com/office/drawing/2010/main" xmlns="" w="9525">
+              <a14:hiddenLine xmlns="" xmlns:a14="http://schemas.microsoft.com/office/drawing/2010/main" w="9525">
                 <a:solidFill>
                   <a:srgbClr val="000000"/>
                 </a:solidFill>
@@ -3904,7 +3904,7 @@
               <a:pPr>
                 <a:defRPr/>
               </a:pPr>
-              <a:t>1/11/16</a:t>
+              <a:t>8/12/16</a:t>
             </a:fld>
             <a:endParaRPr lang="en-US"/>
           </a:p>
@@ -6788,14 +6788,14 @@
           <a:effectLst/>
           <a:extLst>
             <a:ext uri="{909E8E84-426E-40dd-AFC4-6F175D3DCCD1}">
-              <a14:hiddenFill xmlns:a14="http://schemas.microsoft.com/office/drawing/2010/main" xmlns="">
+              <a14:hiddenFill xmlns="" xmlns:a14="http://schemas.microsoft.com/office/drawing/2010/main">
                 <a:solidFill>
                   <a:schemeClr val="accent1"/>
                 </a:solidFill>
               </a14:hiddenFill>
             </a:ext>
             <a:ext uri="{91240B29-F687-4f45-9708-019B960494DF}">
-              <a14:hiddenLine xmlns:a14="http://schemas.microsoft.com/office/drawing/2010/main" xmlns="" w="9525">
+              <a14:hiddenLine xmlns="" xmlns:a14="http://schemas.microsoft.com/office/drawing/2010/main" w="9525">
                 <a:solidFill>
                   <a:schemeClr val="tx1"/>
                 </a:solidFill>
@@ -6805,7 +6805,7 @@
               </a14:hiddenLine>
             </a:ext>
             <a:ext uri="{AF507438-7753-43e0-B8FC-AC1667EBCBE1}">
-              <a14:hiddenEffects xmlns:a14="http://schemas.microsoft.com/office/drawing/2010/main" xmlns="">
+              <a14:hiddenEffects xmlns="" xmlns:a14="http://schemas.microsoft.com/office/drawing/2010/main">
                 <a:effectLst>
                   <a:outerShdw blurRad="63500" dist="38099" dir="2700000" algn="ctr" rotWithShape="0">
                     <a:schemeClr val="bg2">
@@ -6861,14 +6861,14 @@
           <a:effectLst/>
           <a:extLst>
             <a:ext uri="{909E8E84-426E-40dd-AFC4-6F175D3DCCD1}">
-              <a14:hiddenFill xmlns:a14="http://schemas.microsoft.com/office/drawing/2010/main" xmlns="">
+              <a14:hiddenFill xmlns="" xmlns:a14="http://schemas.microsoft.com/office/drawing/2010/main">
                 <a:solidFill>
                   <a:schemeClr val="accent1"/>
                 </a:solidFill>
               </a14:hiddenFill>
             </a:ext>
             <a:ext uri="{91240B29-F687-4f45-9708-019B960494DF}">
-              <a14:hiddenLine xmlns:a14="http://schemas.microsoft.com/office/drawing/2010/main" xmlns="" w="9525">
+              <a14:hiddenLine xmlns="" xmlns:a14="http://schemas.microsoft.com/office/drawing/2010/main" w="9525">
                 <a:solidFill>
                   <a:schemeClr val="tx1"/>
                 </a:solidFill>
@@ -6878,7 +6878,7 @@
               </a14:hiddenLine>
             </a:ext>
             <a:ext uri="{AF507438-7753-43e0-B8FC-AC1667EBCBE1}">
-              <a14:hiddenEffects xmlns:a14="http://schemas.microsoft.com/office/drawing/2010/main" xmlns="">
+              <a14:hiddenEffects xmlns="" xmlns:a14="http://schemas.microsoft.com/office/drawing/2010/main">
                 <a:effectLst>
                   <a:outerShdw blurRad="63500" dist="38099" dir="2700000" algn="ctr" rotWithShape="0">
                     <a:schemeClr val="bg2">
@@ -7267,14 +7267,14 @@
           <a:effectLst/>
           <a:extLst>
             <a:ext uri="{909E8E84-426E-40dd-AFC4-6F175D3DCCD1}">
-              <a14:hiddenFill xmlns:a14="http://schemas.microsoft.com/office/drawing/2010/main" xmlns="">
+              <a14:hiddenFill xmlns="" xmlns:a14="http://schemas.microsoft.com/office/drawing/2010/main">
                 <a:solidFill>
                   <a:schemeClr val="accent1"/>
                 </a:solidFill>
               </a14:hiddenFill>
             </a:ext>
             <a:ext uri="{91240B29-F687-4f45-9708-019B960494DF}">
-              <a14:hiddenLine xmlns:a14="http://schemas.microsoft.com/office/drawing/2010/main" xmlns="" w="9525">
+              <a14:hiddenLine xmlns="" xmlns:a14="http://schemas.microsoft.com/office/drawing/2010/main" w="9525">
                 <a:solidFill>
                   <a:schemeClr val="tx1"/>
                 </a:solidFill>
@@ -7284,7 +7284,7 @@
               </a14:hiddenLine>
             </a:ext>
             <a:ext uri="{AF507438-7753-43e0-B8FC-AC1667EBCBE1}">
-              <a14:hiddenEffects xmlns:a14="http://schemas.microsoft.com/office/drawing/2010/main" xmlns="">
+              <a14:hiddenEffects xmlns="" xmlns:a14="http://schemas.microsoft.com/office/drawing/2010/main">
                 <a:effectLst>
                   <a:outerShdw blurRad="63500" dist="38099" dir="2700000" algn="ctr" rotWithShape="0">
                     <a:schemeClr val="bg2">
@@ -7344,14 +7344,14 @@
           <a:effectLst/>
           <a:extLst>
             <a:ext uri="{909E8E84-426E-40dd-AFC4-6F175D3DCCD1}">
-              <a14:hiddenFill xmlns:a14="http://schemas.microsoft.com/office/drawing/2010/main" xmlns="">
+              <a14:hiddenFill xmlns="" xmlns:a14="http://schemas.microsoft.com/office/drawing/2010/main">
                 <a:solidFill>
                   <a:schemeClr val="accent1"/>
                 </a:solidFill>
               </a14:hiddenFill>
             </a:ext>
             <a:ext uri="{91240B29-F687-4f45-9708-019B960494DF}">
-              <a14:hiddenLine xmlns:a14="http://schemas.microsoft.com/office/drawing/2010/main" xmlns="" w="9525">
+              <a14:hiddenLine xmlns="" xmlns:a14="http://schemas.microsoft.com/office/drawing/2010/main" w="9525">
                 <a:solidFill>
                   <a:schemeClr val="tx1"/>
                 </a:solidFill>
@@ -7361,7 +7361,7 @@
               </a14:hiddenLine>
             </a:ext>
             <a:ext uri="{AF507438-7753-43e0-B8FC-AC1667EBCBE1}">
-              <a14:hiddenEffects xmlns:a14="http://schemas.microsoft.com/office/drawing/2010/main" xmlns="">
+              <a14:hiddenEffects xmlns="" xmlns:a14="http://schemas.microsoft.com/office/drawing/2010/main">
                 <a:effectLst>
                   <a:outerShdw blurRad="63500" dist="38099" dir="2700000" algn="ctr" rotWithShape="0">
                     <a:schemeClr val="bg2">
@@ -8226,19 +8226,7 @@
               <a:rPr lang="en-US" dirty="0" smtClean="0">
                 <a:latin typeface="Times New Roman" charset="0"/>
               </a:rPr>
-              <a:t> </a:t>
-            </a:r>
-            <a:r>
-              <a:rPr lang="en-US" dirty="0" smtClean="0">
-                <a:latin typeface="Times New Roman" charset="0"/>
-              </a:rPr>
-              <a:t>Ports </a:t>
-            </a:r>
-            <a:r>
-              <a:rPr lang="en-US" dirty="0" smtClean="0">
-                <a:latin typeface="Times New Roman" charset="0"/>
-              </a:rPr>
-              <a:t>for </a:t>
+              <a:t> Ports for </a:t>
             </a:r>
             <a:r>
               <a:rPr lang="en-US" dirty="0" err="1" smtClean="0">
@@ -8292,19 +8280,7 @@
               <a:rPr lang="en-US" sz="1800" dirty="0" smtClean="0">
                 <a:latin typeface="Times New Roman" charset="0"/>
               </a:rPr>
-              <a:t> </a:t>
-            </a:r>
-            <a:r>
-              <a:rPr lang="en-US" sz="1800" dirty="0" smtClean="0">
-                <a:latin typeface="Times New Roman" charset="0"/>
-              </a:rPr>
-              <a:t>Open </a:t>
-            </a:r>
-            <a:r>
-              <a:rPr lang="en-US" sz="1800" dirty="0" smtClean="0">
-                <a:latin typeface="Times New Roman" charset="0"/>
-              </a:rPr>
-              <a:t>Source (MPL 2.0)</a:t>
+              <a:t> Open Source (MPL 2.0)</a:t>
             </a:r>
             <a:endParaRPr lang="en-US" sz="1800" dirty="0">
               <a:latin typeface="Times New Roman" charset="0"/>
@@ -11383,14 +11359,14 @@
               <ma14:placeholderFlag xmlns:ma14="http://schemas.microsoft.com/office/mac/drawingml/2011/main" val="1"/>
             </a:ext>
             <a:ext uri="{909E8E84-426E-40dd-AFC4-6F175D3DCCD1}">
-              <a14:hiddenFill xmlns:a14="http://schemas.microsoft.com/office/drawing/2010/main" xmlns="">
+              <a14:hiddenFill xmlns="" xmlns:a14="http://schemas.microsoft.com/office/drawing/2010/main">
                 <a:solidFill>
                   <a:srgbClr val="FFFFFF"/>
                 </a:solidFill>
               </a14:hiddenFill>
             </a:ext>
             <a:ext uri="{91240B29-F687-4f45-9708-019B960494DF}">
-              <a14:hiddenLine xmlns:a14="http://schemas.microsoft.com/office/drawing/2010/main" xmlns="" w="9525">
+              <a14:hiddenLine xmlns="" xmlns:a14="http://schemas.microsoft.com/office/drawing/2010/main" w="9525">
                 <a:solidFill>
                   <a:srgbClr val="000000"/>
                 </a:solidFill>
@@ -11642,14 +11618,14 @@
               <ma14:placeholderFlag xmlns:ma14="http://schemas.microsoft.com/office/mac/drawingml/2011/main" val="1"/>
             </a:ext>
             <a:ext uri="{909E8E84-426E-40dd-AFC4-6F175D3DCCD1}">
-              <a14:hiddenFill xmlns:a14="http://schemas.microsoft.com/office/drawing/2010/main" xmlns="">
+              <a14:hiddenFill xmlns="" xmlns:a14="http://schemas.microsoft.com/office/drawing/2010/main">
                 <a:solidFill>
                   <a:srgbClr val="FFFFFF"/>
                 </a:solidFill>
               </a14:hiddenFill>
             </a:ext>
             <a:ext uri="{91240B29-F687-4f45-9708-019B960494DF}">
-              <a14:hiddenLine xmlns:a14="http://schemas.microsoft.com/office/drawing/2010/main" xmlns="" w="9525">
+              <a14:hiddenLine xmlns="" xmlns:a14="http://schemas.microsoft.com/office/drawing/2010/main" w="9525">
                 <a:solidFill>
                   <a:srgbClr val="000000"/>
                 </a:solidFill>
